--- a/IVM/ЭВМ №8.pptx
+++ b/IVM/ЭВМ №8.pptx
@@ -17,10 +17,14 @@
     <p:sldId id="269" r:id="rId11"/>
     <p:sldId id="271" r:id="rId12"/>
     <p:sldId id="272" r:id="rId13"/>
-    <p:sldId id="274" r:id="rId14"/>
-    <p:sldId id="275" r:id="rId15"/>
-    <p:sldId id="276" r:id="rId16"/>
-    <p:sldId id="277" r:id="rId17"/>
+    <p:sldId id="278" r:id="rId14"/>
+    <p:sldId id="279" r:id="rId15"/>
+    <p:sldId id="274" r:id="rId16"/>
+    <p:sldId id="275" r:id="rId17"/>
+    <p:sldId id="280" r:id="rId18"/>
+    <p:sldId id="281" r:id="rId19"/>
+    <p:sldId id="276" r:id="rId20"/>
+    <p:sldId id="277" r:id="rId21"/>
   </p:sldIdLst>
   <p:sldSz cx="12192000" cy="6858000"/>
   <p:notesSz cx="6858000" cy="9144000"/>
@@ -2277,7 +2281,7 @@
             <a:pPr rtl="0"/>
             <a:fld id="{21D30A75-6773-4051-8E3B-50DEBD5B27F5}" type="datetime1">
               <a:rPr lang="ru-RU" smtClean="0"/>
-              <a:t>29.11.2018</a:t>
+              <a:t>07.12.2018</a:t>
             </a:fld>
             <a:endParaRPr lang="ru-RU" dirty="0"/>
           </a:p>
@@ -2477,7 +2481,7 @@
             <a:pPr rtl="0"/>
             <a:fld id="{D7928C6E-EC50-49F1-B95C-FD73C1D14895}" type="datetime1">
               <a:rPr lang="ru-RU" smtClean="0"/>
-              <a:t>29.11.2018</a:t>
+              <a:t>07.12.2018</a:t>
             </a:fld>
             <a:endParaRPr lang="ru-RU" dirty="0"/>
           </a:p>
@@ -2667,7 +2671,7 @@
             <a:pPr rtl="0"/>
             <a:fld id="{A29ED9D4-4098-4CD3-A9A7-C343301264F2}" type="datetime1">
               <a:rPr lang="ru-RU" smtClean="0"/>
-              <a:t>29.11.2018</a:t>
+              <a:t>07.12.2018</a:t>
             </a:fld>
             <a:endParaRPr lang="ru-RU" dirty="0"/>
           </a:p>
@@ -5016,7 +5020,7 @@
             <a:pPr rtl="0"/>
             <a:fld id="{687FFE1D-B4BF-42B3-9799-021BB66D51E4}" type="datetime1">
               <a:rPr lang="ru-RU" smtClean="0"/>
-              <a:t>29.11.2018</a:t>
+              <a:t>07.12.2018</a:t>
             </a:fld>
             <a:endParaRPr lang="ru-RU" dirty="0"/>
           </a:p>
@@ -5476,7 +5480,7 @@
             <a:pPr rtl="0"/>
             <a:fld id="{433AC169-0119-4659-9B73-547F9C11A152}" type="datetime1">
               <a:rPr lang="ru-RU" smtClean="0"/>
-              <a:t>29.11.2018</a:t>
+              <a:t>07.12.2018</a:t>
             </a:fld>
             <a:endParaRPr lang="ru-RU" dirty="0"/>
           </a:p>
@@ -5614,7 +5618,7 @@
             <a:pPr rtl="0"/>
             <a:fld id="{88FE940F-5E05-43A4-90CE-E7C7653F1C67}" type="datetime1">
               <a:rPr lang="ru-RU" smtClean="0"/>
-              <a:t>29.11.2018</a:t>
+              <a:t>07.12.2018</a:t>
             </a:fld>
             <a:endParaRPr lang="ru-RU" dirty="0"/>
           </a:p>
@@ -7551,7 +7555,7 @@
             <a:pPr rtl="0"/>
             <a:fld id="{CA01554F-F072-4658-949A-7A94F490DB04}" type="datetime1">
               <a:rPr lang="ru-RU" smtClean="0"/>
-              <a:t>29.11.2018</a:t>
+              <a:t>07.12.2018</a:t>
             </a:fld>
             <a:endParaRPr lang="ru-RU" dirty="0"/>
           </a:p>
@@ -9814,7 +9818,7 @@
             <a:pPr rtl="0"/>
             <a:fld id="{3B0BFD1E-E11D-434C-9F87-0B5F0A29CFEC}" type="datetime1">
               <a:rPr lang="ru-RU" smtClean="0"/>
-              <a:t>29.11.2018</a:t>
+              <a:t>07.12.2018</a:t>
             </a:fld>
             <a:endParaRPr lang="ru-RU" dirty="0"/>
           </a:p>
@@ -14117,7 +14121,7 @@
             <a:pPr rtl="0"/>
             <a:fld id="{99137652-B7E4-4AE8-853E-9803CAFAAF7E}" type="datetime1">
               <a:rPr lang="ru-RU" smtClean="0"/>
-              <a:t>29.11.2018</a:t>
+              <a:t>07.12.2018</a:t>
             </a:fld>
             <a:endParaRPr lang="ru-RU" dirty="0"/>
           </a:p>
@@ -15208,6 +15212,110 @@
           <a:chExt cx="0" cy="0"/>
         </a:xfrm>
       </p:grpSpPr>
+      <p:pic>
+        <p:nvPicPr>
+          <p:cNvPr id="6" name="Рисунок 5"/>
+          <p:cNvPicPr>
+            <a:picLocks noChangeAspect="1"/>
+          </p:cNvPicPr>
+          <p:nvPr/>
+        </p:nvPicPr>
+        <p:blipFill>
+          <a:blip r:embed="rId2"/>
+          <a:stretch>
+            <a:fillRect/>
+          </a:stretch>
+        </p:blipFill>
+        <p:spPr>
+          <a:xfrm>
+            <a:off x="277721" y="611913"/>
+            <a:ext cx="8513582" cy="4808927"/>
+          </a:xfrm>
+          <a:prstGeom prst="rect">
+            <a:avLst/>
+          </a:prstGeom>
+        </p:spPr>
+      </p:pic>
+      <p:sp>
+        <p:nvSpPr>
+          <p:cNvPr id="7" name="TextBox 6"/>
+          <p:cNvSpPr txBox="1"/>
+          <p:nvPr/>
+        </p:nvSpPr>
+        <p:spPr>
+          <a:xfrm>
+            <a:off x="9170126" y="2554711"/>
+            <a:ext cx="2625634" cy="923330"/>
+          </a:xfrm>
+          <a:prstGeom prst="rect">
+            <a:avLst/>
+          </a:prstGeom>
+          <a:noFill/>
+        </p:spPr>
+        <p:txBody>
+          <a:bodyPr wrap="square" rtlCol="0">
+            <a:spAutoFit/>
+          </a:bodyPr>
+          <a:lstStyle/>
+          <a:p>
+            <a:r>
+              <a:rPr lang="ru-RU" dirty="0" smtClean="0"/>
+              <a:t>Схема подключения </a:t>
+            </a:r>
+            <a:r>
+              <a:rPr lang="en-US" dirty="0" smtClean="0"/>
+              <a:t>EEPROM </a:t>
+            </a:r>
+            <a:r>
+              <a:rPr lang="ru-RU" dirty="0" smtClean="0"/>
+              <a:t>к микроконтроллеру</a:t>
+            </a:r>
+            <a:endParaRPr lang="ru-RU" dirty="0"/>
+          </a:p>
+        </p:txBody>
+      </p:sp>
+    </p:spTree>
+    <p:extLst>
+      <p:ext uri="{BB962C8B-B14F-4D97-AF65-F5344CB8AC3E}">
+        <p14:creationId xmlns:p14="http://schemas.microsoft.com/office/powerpoint/2010/main" val="3146636130"/>
+      </p:ext>
+    </p:extLst>
+  </p:cSld>
+  <p:clrMapOvr>
+    <a:masterClrMapping/>
+  </p:clrMapOvr>
+  <mc:AlternateContent xmlns:mc="http://schemas.openxmlformats.org/markup-compatibility/2006" xmlns:p14="http://schemas.microsoft.com/office/powerpoint/2010/main">
+    <mc:Choice Requires="p14">
+      <p:transition spd="med" p14:dur="700">
+        <p:fade/>
+      </p:transition>
+    </mc:Choice>
+    <mc:Fallback xmlns="">
+      <p:transition spd="med">
+        <p:fade/>
+      </p:transition>
+    </mc:Fallback>
+  </mc:AlternateContent>
+</p:sld>
+</file>
+
+<file path=ppt/slides/slide14.xml><?xml version="1.0" encoding="utf-8"?>
+<p:sld xmlns:a="http://schemas.openxmlformats.org/drawingml/2006/main" xmlns:r="http://schemas.openxmlformats.org/officeDocument/2006/relationships" xmlns:p="http://schemas.openxmlformats.org/presentationml/2006/main">
+  <p:cSld>
+    <p:spTree>
+      <p:nvGrpSpPr>
+        <p:cNvPr id="1" name=""/>
+        <p:cNvGrpSpPr/>
+        <p:nvPr/>
+      </p:nvGrpSpPr>
+      <p:grpSpPr>
+        <a:xfrm>
+          <a:off x="0" y="0"/>
+          <a:ext cx="0" cy="0"/>
+          <a:chOff x="0" y="0"/>
+          <a:chExt cx="0" cy="0"/>
+        </a:xfrm>
+      </p:grpSpPr>
       <p:sp>
         <p:nvSpPr>
           <p:cNvPr id="3" name="Объект 2"/>
@@ -15220,8 +15328,8 @@
         </p:nvSpPr>
         <p:spPr>
           <a:xfrm>
-            <a:off x="0" y="1045029"/>
-            <a:ext cx="11659961" cy="4794068"/>
+            <a:off x="470263" y="3161210"/>
+            <a:ext cx="4052775" cy="2185851"/>
           </a:xfrm>
         </p:spPr>
         <p:txBody>
@@ -15229,12 +15337,387 @@
           <a:lstStyle/>
           <a:p>
             <a:r>
-              <a:rPr lang="ru-RU" dirty="0"/>
-              <a:t>Микросхемы ЕЕРRОМ созданы на основе транзисторов с плавающим затвором. Микросхема ЕЕРRОМ запрограммирована путём принудительной программируемой информации в виде электронов через оксид затвора. Затем плавающий затвор обеспечивает хранение этих электронов. Ячейка памяти считается запрограммированной, когда она заряжается электронами, и это представляется нулём. Если ячейка памяти не заряжена, она не запрограммирована, и она представлена единицей</a:t>
-            </a:r>
-            <a:r>
               <a:rPr lang="ru-RU" dirty="0" smtClean="0"/>
-              <a:t>.</a:t>
+              <a:t>Структура </a:t>
+            </a:r>
+            <a:r>
+              <a:rPr lang="en-US" dirty="0" smtClean="0"/>
+              <a:t>EEPROM </a:t>
+            </a:r>
+            <a:r>
+              <a:rPr lang="ru-RU" dirty="0" smtClean="0"/>
+              <a:t>в сечении</a:t>
+            </a:r>
+            <a:endParaRPr lang="ru-RU" dirty="0"/>
+          </a:p>
+        </p:txBody>
+      </p:sp>
+      <p:pic>
+        <p:nvPicPr>
+          <p:cNvPr id="2050" name="Picture 2" descr="https://upload.wikimedia.org/wikipedia/commons/thumb/a/ae/Floating_gate_transistor-en.svg/1920px-Floating_gate_transistor-en.svg.png"/>
+          <p:cNvPicPr>
+            <a:picLocks noChangeAspect="1" noChangeArrowheads="1"/>
+          </p:cNvPicPr>
+          <p:nvPr/>
+        </p:nvPicPr>
+        <p:blipFill>
+          <a:blip r:embed="rId2">
+            <a:extLst>
+              <a:ext uri="{28A0092B-C50C-407E-A947-70E740481C1C}">
+                <a14:useLocalDpi xmlns:a14="http://schemas.microsoft.com/office/drawing/2010/main" val="0"/>
+              </a:ext>
+            </a:extLst>
+          </a:blip>
+          <a:srcRect/>
+          <a:stretch>
+            <a:fillRect/>
+          </a:stretch>
+        </p:blipFill>
+        <p:spPr bwMode="auto">
+          <a:xfrm>
+            <a:off x="0" y="1326732"/>
+            <a:ext cx="4523039" cy="1693784"/>
+          </a:xfrm>
+          <a:prstGeom prst="rect">
+            <a:avLst/>
+          </a:prstGeom>
+          <a:noFill/>
+          <a:extLst>
+            <a:ext uri="{909E8E84-426E-40DD-AFC4-6F175D3DCCD1}">
+              <a14:hiddenFill xmlns:a14="http://schemas.microsoft.com/office/drawing/2010/main">
+                <a:solidFill>
+                  <a:srgbClr val="FFFFFF"/>
+                </a:solidFill>
+              </a14:hiddenFill>
+            </a:ext>
+          </a:extLst>
+        </p:spPr>
+      </p:pic>
+      <p:pic>
+        <p:nvPicPr>
+          <p:cNvPr id="2052" name="Picture 4" descr="https://upload.wikimedia.org/wikipedia/commons/c/ca/Flash-Programming.png"/>
+          <p:cNvPicPr>
+            <a:picLocks noChangeAspect="1" noChangeArrowheads="1"/>
+          </p:cNvPicPr>
+          <p:nvPr/>
+        </p:nvPicPr>
+        <p:blipFill>
+          <a:blip r:embed="rId3">
+            <a:extLst>
+              <a:ext uri="{28A0092B-C50C-407E-A947-70E740481C1C}">
+                <a14:useLocalDpi xmlns:a14="http://schemas.microsoft.com/office/drawing/2010/main" val="0"/>
+              </a:ext>
+            </a:extLst>
+          </a:blip>
+          <a:srcRect/>
+          <a:stretch>
+            <a:fillRect/>
+          </a:stretch>
+        </p:blipFill>
+        <p:spPr bwMode="auto">
+          <a:xfrm>
+            <a:off x="5094527" y="483326"/>
+            <a:ext cx="3203665" cy="2660436"/>
+          </a:xfrm>
+          <a:prstGeom prst="rect">
+            <a:avLst/>
+          </a:prstGeom>
+          <a:noFill/>
+          <a:extLst>
+            <a:ext uri="{909E8E84-426E-40DD-AFC4-6F175D3DCCD1}">
+              <a14:hiddenFill xmlns:a14="http://schemas.microsoft.com/office/drawing/2010/main">
+                <a:solidFill>
+                  <a:srgbClr val="FFFFFF"/>
+                </a:solidFill>
+              </a14:hiddenFill>
+            </a:ext>
+          </a:extLst>
+        </p:spPr>
+      </p:pic>
+      <p:pic>
+        <p:nvPicPr>
+          <p:cNvPr id="2054" name="Picture 6" descr="https://upload.wikimedia.org/wikipedia/commons/b/bf/Flash-Clear.png"/>
+          <p:cNvPicPr>
+            <a:picLocks noChangeAspect="1" noChangeArrowheads="1"/>
+          </p:cNvPicPr>
+          <p:nvPr/>
+        </p:nvPicPr>
+        <p:blipFill>
+          <a:blip r:embed="rId4">
+            <a:extLst>
+              <a:ext uri="{28A0092B-C50C-407E-A947-70E740481C1C}">
+                <a14:useLocalDpi xmlns:a14="http://schemas.microsoft.com/office/drawing/2010/main" val="0"/>
+              </a:ext>
+            </a:extLst>
+          </a:blip>
+          <a:srcRect/>
+          <a:stretch>
+            <a:fillRect/>
+          </a:stretch>
+        </p:blipFill>
+        <p:spPr bwMode="auto">
+          <a:xfrm>
+            <a:off x="8869680" y="493803"/>
+            <a:ext cx="3322320" cy="2667407"/>
+          </a:xfrm>
+          <a:prstGeom prst="rect">
+            <a:avLst/>
+          </a:prstGeom>
+          <a:noFill/>
+          <a:extLst>
+            <a:ext uri="{909E8E84-426E-40DD-AFC4-6F175D3DCCD1}">
+              <a14:hiddenFill xmlns:a14="http://schemas.microsoft.com/office/drawing/2010/main">
+                <a:solidFill>
+                  <a:srgbClr val="FFFFFF"/>
+                </a:solidFill>
+              </a14:hiddenFill>
+            </a:ext>
+          </a:extLst>
+        </p:spPr>
+      </p:pic>
+      <p:sp>
+        <p:nvSpPr>
+          <p:cNvPr id="8" name="Объект 2"/>
+          <p:cNvSpPr txBox="1">
+            <a:spLocks/>
+          </p:cNvSpPr>
+          <p:nvPr/>
+        </p:nvSpPr>
+        <p:spPr>
+          <a:xfrm>
+            <a:off x="5069208" y="3161210"/>
+            <a:ext cx="3254302" cy="2185851"/>
+          </a:xfrm>
+          <a:prstGeom prst="rect">
+            <a:avLst/>
+          </a:prstGeom>
+        </p:spPr>
+        <p:txBody>
+          <a:bodyPr vert="horz" lIns="91440" tIns="45720" rIns="91440" bIns="45720" rtlCol="0">
+            <a:normAutofit/>
+          </a:bodyPr>
+          <a:lstStyle>
+            <a:lvl1pPr marL="228600" indent="-228600" algn="l" defTabSz="914400" rtl="0" eaLnBrk="1" latinLnBrk="0" hangingPunct="1">
+              <a:lnSpc>
+                <a:spcPct val="90000"/>
+              </a:lnSpc>
+              <a:spcBef>
+                <a:spcPts val="1800"/>
+              </a:spcBef>
+              <a:buClr>
+                <a:schemeClr val="accent1">
+                  <a:lumMod val="75000"/>
+                </a:schemeClr>
+              </a:buClr>
+              <a:buSzPct val="100000"/>
+              <a:buFont typeface="Arial" pitchFamily="34" charset="0"/>
+              <a:buChar char="▪"/>
+              <a:defRPr sz="2000" kern="1200">
+                <a:solidFill>
+                  <a:schemeClr val="tx1"/>
+                </a:solidFill>
+                <a:latin typeface="+mn-lt"/>
+                <a:ea typeface="+mn-ea"/>
+                <a:cs typeface="+mn-cs"/>
+              </a:defRPr>
+            </a:lvl1pPr>
+            <a:lvl2pPr marL="457200" indent="-182880" algn="l" defTabSz="914400" rtl="0" eaLnBrk="1" latinLnBrk="0" hangingPunct="1">
+              <a:lnSpc>
+                <a:spcPct val="90000"/>
+              </a:lnSpc>
+              <a:spcBef>
+                <a:spcPts val="1200"/>
+              </a:spcBef>
+              <a:buClr>
+                <a:schemeClr val="accent1">
+                  <a:lumMod val="75000"/>
+                </a:schemeClr>
+              </a:buClr>
+              <a:buSzPct val="100000"/>
+              <a:buFont typeface="Arial" pitchFamily="34" charset="0"/>
+              <a:buChar char="▪"/>
+              <a:defRPr sz="1800" kern="1200">
+                <a:solidFill>
+                  <a:schemeClr val="tx1"/>
+                </a:solidFill>
+                <a:latin typeface="+mn-lt"/>
+                <a:ea typeface="+mn-ea"/>
+                <a:cs typeface="+mn-cs"/>
+              </a:defRPr>
+            </a:lvl2pPr>
+            <a:lvl3pPr marL="685800" indent="-179388" algn="l" defTabSz="914400" rtl="0" eaLnBrk="1" latinLnBrk="0" hangingPunct="1">
+              <a:lnSpc>
+                <a:spcPct val="90000"/>
+              </a:lnSpc>
+              <a:spcBef>
+                <a:spcPts val="800"/>
+              </a:spcBef>
+              <a:buClr>
+                <a:schemeClr val="accent1">
+                  <a:lumMod val="75000"/>
+                </a:schemeClr>
+              </a:buClr>
+              <a:buSzPct val="100000"/>
+              <a:buFont typeface="Arial" pitchFamily="34" charset="0"/>
+              <a:buChar char="▪"/>
+              <a:defRPr sz="1600" kern="1200">
+                <a:solidFill>
+                  <a:schemeClr val="tx1"/>
+                </a:solidFill>
+                <a:latin typeface="+mn-lt"/>
+                <a:ea typeface="+mn-ea"/>
+                <a:cs typeface="+mn-cs"/>
+              </a:defRPr>
+            </a:lvl3pPr>
+            <a:lvl4pPr marL="914400" indent="-182880" algn="l" defTabSz="914400" rtl="0" eaLnBrk="1" latinLnBrk="0" hangingPunct="1">
+              <a:lnSpc>
+                <a:spcPct val="90000"/>
+              </a:lnSpc>
+              <a:spcBef>
+                <a:spcPts val="800"/>
+              </a:spcBef>
+              <a:buClr>
+                <a:schemeClr val="accent1">
+                  <a:lumMod val="75000"/>
+                </a:schemeClr>
+              </a:buClr>
+              <a:buSzPct val="100000"/>
+              <a:buFont typeface="Arial" pitchFamily="34" charset="0"/>
+              <a:buChar char="▪"/>
+              <a:defRPr sz="1400" kern="1200">
+                <a:solidFill>
+                  <a:schemeClr val="tx1"/>
+                </a:solidFill>
+                <a:latin typeface="+mn-lt"/>
+                <a:ea typeface="+mn-ea"/>
+                <a:cs typeface="+mn-cs"/>
+              </a:defRPr>
+            </a:lvl4pPr>
+            <a:lvl5pPr marL="1143000" indent="-179388" algn="l" defTabSz="914400" rtl="0" eaLnBrk="1" latinLnBrk="0" hangingPunct="1">
+              <a:lnSpc>
+                <a:spcPct val="90000"/>
+              </a:lnSpc>
+              <a:spcBef>
+                <a:spcPts val="600"/>
+              </a:spcBef>
+              <a:buClr>
+                <a:schemeClr val="accent1">
+                  <a:lumMod val="75000"/>
+                </a:schemeClr>
+              </a:buClr>
+              <a:buSzPct val="100000"/>
+              <a:buFont typeface="Arial" pitchFamily="34" charset="0"/>
+              <a:buChar char="▪"/>
+              <a:defRPr sz="1400" kern="1200">
+                <a:solidFill>
+                  <a:schemeClr val="tx1"/>
+                </a:solidFill>
+                <a:latin typeface="+mn-lt"/>
+                <a:ea typeface="+mn-ea"/>
+                <a:cs typeface="+mn-cs"/>
+              </a:defRPr>
+            </a:lvl5pPr>
+            <a:lvl6pPr marL="1371600" indent="-182880" algn="l" defTabSz="914400" rtl="0" eaLnBrk="1" latinLnBrk="0" hangingPunct="1">
+              <a:lnSpc>
+                <a:spcPct val="90000"/>
+              </a:lnSpc>
+              <a:spcBef>
+                <a:spcPts val="600"/>
+              </a:spcBef>
+              <a:buClr>
+                <a:schemeClr val="accent1">
+                  <a:lumMod val="75000"/>
+                </a:schemeClr>
+              </a:buClr>
+              <a:buSzPct val="100000"/>
+              <a:buFont typeface="Arial" pitchFamily="34" charset="0"/>
+              <a:buChar char="▪"/>
+              <a:defRPr sz="1400" kern="1200">
+                <a:solidFill>
+                  <a:schemeClr val="tx1"/>
+                </a:solidFill>
+                <a:latin typeface="+mn-lt"/>
+                <a:ea typeface="+mn-ea"/>
+                <a:cs typeface="+mn-cs"/>
+              </a:defRPr>
+            </a:lvl6pPr>
+            <a:lvl7pPr marL="1600200" indent="-179388" algn="l" defTabSz="914400" rtl="0" eaLnBrk="1" latinLnBrk="0" hangingPunct="1">
+              <a:lnSpc>
+                <a:spcPct val="90000"/>
+              </a:lnSpc>
+              <a:spcBef>
+                <a:spcPts val="600"/>
+              </a:spcBef>
+              <a:buClr>
+                <a:schemeClr val="accent1">
+                  <a:lumMod val="75000"/>
+                </a:schemeClr>
+              </a:buClr>
+              <a:buSzPct val="100000"/>
+              <a:buFont typeface="Arial" pitchFamily="34" charset="0"/>
+              <a:buChar char="▪"/>
+              <a:defRPr sz="1400" kern="1200">
+                <a:solidFill>
+                  <a:schemeClr val="tx1"/>
+                </a:solidFill>
+                <a:latin typeface="+mn-lt"/>
+                <a:ea typeface="+mn-ea"/>
+                <a:cs typeface="+mn-cs"/>
+              </a:defRPr>
+            </a:lvl7pPr>
+            <a:lvl8pPr marL="1828800" indent="-182880" algn="l" defTabSz="914400" rtl="0" eaLnBrk="1" latinLnBrk="0" hangingPunct="1">
+              <a:lnSpc>
+                <a:spcPct val="90000"/>
+              </a:lnSpc>
+              <a:spcBef>
+                <a:spcPts val="600"/>
+              </a:spcBef>
+              <a:buClr>
+                <a:schemeClr val="accent1">
+                  <a:lumMod val="75000"/>
+                </a:schemeClr>
+              </a:buClr>
+              <a:buSzPct val="100000"/>
+              <a:buFont typeface="Arial" pitchFamily="34" charset="0"/>
+              <a:buChar char="▪"/>
+              <a:defRPr sz="1400" kern="1200">
+                <a:solidFill>
+                  <a:schemeClr val="tx1"/>
+                </a:solidFill>
+                <a:latin typeface="+mn-lt"/>
+                <a:ea typeface="+mn-ea"/>
+                <a:cs typeface="+mn-cs"/>
+              </a:defRPr>
+            </a:lvl8pPr>
+            <a:lvl9pPr marL="1878012" indent="0" algn="l" defTabSz="914400" rtl="0" eaLnBrk="1" latinLnBrk="0" hangingPunct="1">
+              <a:lnSpc>
+                <a:spcPct val="90000"/>
+              </a:lnSpc>
+              <a:spcBef>
+                <a:spcPts val="600"/>
+              </a:spcBef>
+              <a:buClr>
+                <a:schemeClr val="accent1">
+                  <a:lumMod val="75000"/>
+                </a:schemeClr>
+              </a:buClr>
+              <a:buSzPct val="100000"/>
+              <a:buFont typeface="Arial" pitchFamily="34" charset="0"/>
+              <a:buNone/>
+              <a:defRPr sz="1400" kern="1200">
+                <a:solidFill>
+                  <a:schemeClr val="tx1"/>
+                </a:solidFill>
+                <a:latin typeface="+mn-lt"/>
+                <a:ea typeface="+mn-ea"/>
+                <a:cs typeface="+mn-cs"/>
+              </a:defRPr>
+            </a:lvl9pPr>
+          </a:lstStyle>
+          <a:p>
+            <a:r>
+              <a:rPr lang="ru-RU" dirty="0" smtClean="0"/>
+              <a:t>Механизм зарядки</a:t>
             </a:r>
             <a:endParaRPr lang="ru-RU" dirty="0"/>
           </a:p>
@@ -15242,32 +15725,323 @@
       </p:sp>
       <p:sp>
         <p:nvSpPr>
-          <p:cNvPr id="6" name="Заголовок 1"/>
+          <p:cNvPr id="9" name="Объект 2"/>
+          <p:cNvSpPr txBox="1">
+            <a:spLocks/>
+          </p:cNvSpPr>
+          <p:nvPr/>
+        </p:nvSpPr>
+        <p:spPr>
+          <a:xfrm>
+            <a:off x="9127115" y="3143762"/>
+            <a:ext cx="2807449" cy="2185851"/>
+          </a:xfrm>
+          <a:prstGeom prst="rect">
+            <a:avLst/>
+          </a:prstGeom>
+        </p:spPr>
+        <p:txBody>
+          <a:bodyPr vert="horz" lIns="91440" tIns="45720" rIns="91440" bIns="45720" rtlCol="0">
+            <a:normAutofit/>
+          </a:bodyPr>
+          <a:lstStyle>
+            <a:lvl1pPr marL="228600" indent="-228600" algn="l" defTabSz="914400" rtl="0" eaLnBrk="1" latinLnBrk="0" hangingPunct="1">
+              <a:lnSpc>
+                <a:spcPct val="90000"/>
+              </a:lnSpc>
+              <a:spcBef>
+                <a:spcPts val="1800"/>
+              </a:spcBef>
+              <a:buClr>
+                <a:schemeClr val="accent1">
+                  <a:lumMod val="75000"/>
+                </a:schemeClr>
+              </a:buClr>
+              <a:buSzPct val="100000"/>
+              <a:buFont typeface="Arial" pitchFamily="34" charset="0"/>
+              <a:buChar char="▪"/>
+              <a:defRPr sz="2000" kern="1200">
+                <a:solidFill>
+                  <a:schemeClr val="tx1"/>
+                </a:solidFill>
+                <a:latin typeface="+mn-lt"/>
+                <a:ea typeface="+mn-ea"/>
+                <a:cs typeface="+mn-cs"/>
+              </a:defRPr>
+            </a:lvl1pPr>
+            <a:lvl2pPr marL="457200" indent="-182880" algn="l" defTabSz="914400" rtl="0" eaLnBrk="1" latinLnBrk="0" hangingPunct="1">
+              <a:lnSpc>
+                <a:spcPct val="90000"/>
+              </a:lnSpc>
+              <a:spcBef>
+                <a:spcPts val="1200"/>
+              </a:spcBef>
+              <a:buClr>
+                <a:schemeClr val="accent1">
+                  <a:lumMod val="75000"/>
+                </a:schemeClr>
+              </a:buClr>
+              <a:buSzPct val="100000"/>
+              <a:buFont typeface="Arial" pitchFamily="34" charset="0"/>
+              <a:buChar char="▪"/>
+              <a:defRPr sz="1800" kern="1200">
+                <a:solidFill>
+                  <a:schemeClr val="tx1"/>
+                </a:solidFill>
+                <a:latin typeface="+mn-lt"/>
+                <a:ea typeface="+mn-ea"/>
+                <a:cs typeface="+mn-cs"/>
+              </a:defRPr>
+            </a:lvl2pPr>
+            <a:lvl3pPr marL="685800" indent="-179388" algn="l" defTabSz="914400" rtl="0" eaLnBrk="1" latinLnBrk="0" hangingPunct="1">
+              <a:lnSpc>
+                <a:spcPct val="90000"/>
+              </a:lnSpc>
+              <a:spcBef>
+                <a:spcPts val="800"/>
+              </a:spcBef>
+              <a:buClr>
+                <a:schemeClr val="accent1">
+                  <a:lumMod val="75000"/>
+                </a:schemeClr>
+              </a:buClr>
+              <a:buSzPct val="100000"/>
+              <a:buFont typeface="Arial" pitchFamily="34" charset="0"/>
+              <a:buChar char="▪"/>
+              <a:defRPr sz="1600" kern="1200">
+                <a:solidFill>
+                  <a:schemeClr val="tx1"/>
+                </a:solidFill>
+                <a:latin typeface="+mn-lt"/>
+                <a:ea typeface="+mn-ea"/>
+                <a:cs typeface="+mn-cs"/>
+              </a:defRPr>
+            </a:lvl3pPr>
+            <a:lvl4pPr marL="914400" indent="-182880" algn="l" defTabSz="914400" rtl="0" eaLnBrk="1" latinLnBrk="0" hangingPunct="1">
+              <a:lnSpc>
+                <a:spcPct val="90000"/>
+              </a:lnSpc>
+              <a:spcBef>
+                <a:spcPts val="800"/>
+              </a:spcBef>
+              <a:buClr>
+                <a:schemeClr val="accent1">
+                  <a:lumMod val="75000"/>
+                </a:schemeClr>
+              </a:buClr>
+              <a:buSzPct val="100000"/>
+              <a:buFont typeface="Arial" pitchFamily="34" charset="0"/>
+              <a:buChar char="▪"/>
+              <a:defRPr sz="1400" kern="1200">
+                <a:solidFill>
+                  <a:schemeClr val="tx1"/>
+                </a:solidFill>
+                <a:latin typeface="+mn-lt"/>
+                <a:ea typeface="+mn-ea"/>
+                <a:cs typeface="+mn-cs"/>
+              </a:defRPr>
+            </a:lvl4pPr>
+            <a:lvl5pPr marL="1143000" indent="-179388" algn="l" defTabSz="914400" rtl="0" eaLnBrk="1" latinLnBrk="0" hangingPunct="1">
+              <a:lnSpc>
+                <a:spcPct val="90000"/>
+              </a:lnSpc>
+              <a:spcBef>
+                <a:spcPts val="600"/>
+              </a:spcBef>
+              <a:buClr>
+                <a:schemeClr val="accent1">
+                  <a:lumMod val="75000"/>
+                </a:schemeClr>
+              </a:buClr>
+              <a:buSzPct val="100000"/>
+              <a:buFont typeface="Arial" pitchFamily="34" charset="0"/>
+              <a:buChar char="▪"/>
+              <a:defRPr sz="1400" kern="1200">
+                <a:solidFill>
+                  <a:schemeClr val="tx1"/>
+                </a:solidFill>
+                <a:latin typeface="+mn-lt"/>
+                <a:ea typeface="+mn-ea"/>
+                <a:cs typeface="+mn-cs"/>
+              </a:defRPr>
+            </a:lvl5pPr>
+            <a:lvl6pPr marL="1371600" indent="-182880" algn="l" defTabSz="914400" rtl="0" eaLnBrk="1" latinLnBrk="0" hangingPunct="1">
+              <a:lnSpc>
+                <a:spcPct val="90000"/>
+              </a:lnSpc>
+              <a:spcBef>
+                <a:spcPts val="600"/>
+              </a:spcBef>
+              <a:buClr>
+                <a:schemeClr val="accent1">
+                  <a:lumMod val="75000"/>
+                </a:schemeClr>
+              </a:buClr>
+              <a:buSzPct val="100000"/>
+              <a:buFont typeface="Arial" pitchFamily="34" charset="0"/>
+              <a:buChar char="▪"/>
+              <a:defRPr sz="1400" kern="1200">
+                <a:solidFill>
+                  <a:schemeClr val="tx1"/>
+                </a:solidFill>
+                <a:latin typeface="+mn-lt"/>
+                <a:ea typeface="+mn-ea"/>
+                <a:cs typeface="+mn-cs"/>
+              </a:defRPr>
+            </a:lvl6pPr>
+            <a:lvl7pPr marL="1600200" indent="-179388" algn="l" defTabSz="914400" rtl="0" eaLnBrk="1" latinLnBrk="0" hangingPunct="1">
+              <a:lnSpc>
+                <a:spcPct val="90000"/>
+              </a:lnSpc>
+              <a:spcBef>
+                <a:spcPts val="600"/>
+              </a:spcBef>
+              <a:buClr>
+                <a:schemeClr val="accent1">
+                  <a:lumMod val="75000"/>
+                </a:schemeClr>
+              </a:buClr>
+              <a:buSzPct val="100000"/>
+              <a:buFont typeface="Arial" pitchFamily="34" charset="0"/>
+              <a:buChar char="▪"/>
+              <a:defRPr sz="1400" kern="1200">
+                <a:solidFill>
+                  <a:schemeClr val="tx1"/>
+                </a:solidFill>
+                <a:latin typeface="+mn-lt"/>
+                <a:ea typeface="+mn-ea"/>
+                <a:cs typeface="+mn-cs"/>
+              </a:defRPr>
+            </a:lvl7pPr>
+            <a:lvl8pPr marL="1828800" indent="-182880" algn="l" defTabSz="914400" rtl="0" eaLnBrk="1" latinLnBrk="0" hangingPunct="1">
+              <a:lnSpc>
+                <a:spcPct val="90000"/>
+              </a:lnSpc>
+              <a:spcBef>
+                <a:spcPts val="600"/>
+              </a:spcBef>
+              <a:buClr>
+                <a:schemeClr val="accent1">
+                  <a:lumMod val="75000"/>
+                </a:schemeClr>
+              </a:buClr>
+              <a:buSzPct val="100000"/>
+              <a:buFont typeface="Arial" pitchFamily="34" charset="0"/>
+              <a:buChar char="▪"/>
+              <a:defRPr sz="1400" kern="1200">
+                <a:solidFill>
+                  <a:schemeClr val="tx1"/>
+                </a:solidFill>
+                <a:latin typeface="+mn-lt"/>
+                <a:ea typeface="+mn-ea"/>
+                <a:cs typeface="+mn-cs"/>
+              </a:defRPr>
+            </a:lvl8pPr>
+            <a:lvl9pPr marL="1878012" indent="0" algn="l" defTabSz="914400" rtl="0" eaLnBrk="1" latinLnBrk="0" hangingPunct="1">
+              <a:lnSpc>
+                <a:spcPct val="90000"/>
+              </a:lnSpc>
+              <a:spcBef>
+                <a:spcPts val="600"/>
+              </a:spcBef>
+              <a:buClr>
+                <a:schemeClr val="accent1">
+                  <a:lumMod val="75000"/>
+                </a:schemeClr>
+              </a:buClr>
+              <a:buSzPct val="100000"/>
+              <a:buFont typeface="Arial" pitchFamily="34" charset="0"/>
+              <a:buNone/>
+              <a:defRPr sz="1400" kern="1200">
+                <a:solidFill>
+                  <a:schemeClr val="tx1"/>
+                </a:solidFill>
+                <a:latin typeface="+mn-lt"/>
+                <a:ea typeface="+mn-ea"/>
+                <a:cs typeface="+mn-cs"/>
+              </a:defRPr>
+            </a:lvl9pPr>
+          </a:lstStyle>
+          <a:p>
+            <a:r>
+              <a:rPr lang="ru-RU" dirty="0" smtClean="0"/>
+              <a:t>Механизм разрядки</a:t>
+            </a:r>
+            <a:endParaRPr lang="ru-RU" dirty="0"/>
+          </a:p>
+        </p:txBody>
+      </p:sp>
+    </p:spTree>
+    <p:extLst>
+      <p:ext uri="{BB962C8B-B14F-4D97-AF65-F5344CB8AC3E}">
+        <p14:creationId xmlns:p14="http://schemas.microsoft.com/office/powerpoint/2010/main" val="3333510879"/>
+      </p:ext>
+    </p:extLst>
+  </p:cSld>
+  <p:clrMapOvr>
+    <a:masterClrMapping/>
+  </p:clrMapOvr>
+  <mc:AlternateContent xmlns:mc="http://schemas.openxmlformats.org/markup-compatibility/2006" xmlns:p14="http://schemas.microsoft.com/office/powerpoint/2010/main">
+    <mc:Choice Requires="p14">
+      <p:transition spd="med" p14:dur="700">
+        <p:fade/>
+      </p:transition>
+    </mc:Choice>
+    <mc:Fallback xmlns="">
+      <p:transition spd="med">
+        <p:fade/>
+      </p:transition>
+    </mc:Fallback>
+  </mc:AlternateContent>
+</p:sld>
+</file>
+
+<file path=ppt/slides/slide15.xml><?xml version="1.0" encoding="utf-8"?>
+<p:sld xmlns:a="http://schemas.openxmlformats.org/drawingml/2006/main" xmlns:r="http://schemas.openxmlformats.org/officeDocument/2006/relationships" xmlns:p="http://schemas.openxmlformats.org/presentationml/2006/main">
+  <p:cSld>
+    <p:spTree>
+      <p:nvGrpSpPr>
+        <p:cNvPr id="1" name=""/>
+        <p:cNvGrpSpPr/>
+        <p:nvPr/>
+      </p:nvGrpSpPr>
+      <p:grpSpPr>
+        <a:xfrm>
+          <a:off x="0" y="0"/>
+          <a:ext cx="0" cy="0"/>
+          <a:chOff x="0" y="0"/>
+          <a:chExt cx="0" cy="0"/>
+        </a:xfrm>
+      </p:grpSpPr>
+      <p:sp>
+        <p:nvSpPr>
+          <p:cNvPr id="3" name="Объект 2"/>
           <p:cNvSpPr>
             <a:spLocks noGrp="1"/>
           </p:cNvSpPr>
           <p:nvPr>
-            <p:ph type="title"/>
+            <p:ph idx="1"/>
           </p:nvPr>
         </p:nvSpPr>
         <p:spPr>
           <a:xfrm>
-            <a:off x="1295400" y="169817"/>
-            <a:ext cx="9601200" cy="875211"/>
+            <a:off x="0" y="353242"/>
+            <a:ext cx="11659961" cy="1841318"/>
           </a:xfrm>
         </p:spPr>
         <p:txBody>
-          <a:bodyPr>
-            <a:noAutofit/>
-          </a:bodyPr>
+          <a:bodyPr/>
           <a:lstStyle/>
           <a:p>
-            <a:pPr algn="ctr"/>
-            <a:r>
-              <a:rPr lang="en-US" sz="5400" dirty="0" smtClean="0"/>
-              <a:t>EEPROM</a:t>
-            </a:r>
-            <a:endParaRPr lang="ru-RU" sz="5400" dirty="0"/>
+            <a:r>
+              <a:rPr lang="ru-RU" dirty="0"/>
+              <a:t>Микросхемы ЕЕРRОМ созданы на основе транзисторов с плавающим затвором. Микросхема ЕЕРRОМ запрограммирована путём принудительной программируемой информации в виде электронов через оксид затвора. Затем плавающий затвор обеспечивает хранение этих электронов. Ячейка памяти считается запрограммированной, когда она заряжается электронами, и это представляется нулём. Если ячейка памяти не заряжена, она не запрограммирована, и она представлена единицей</a:t>
+            </a:r>
+            <a:r>
+              <a:rPr lang="ru-RU" dirty="0" smtClean="0"/>
+              <a:t>.</a:t>
+            </a:r>
+            <a:endParaRPr lang="ru-RU" dirty="0"/>
           </a:p>
         </p:txBody>
       </p:sp>
@@ -15285,7 +16059,7 @@
         </p:blipFill>
         <p:spPr>
           <a:xfrm>
-            <a:off x="2943905" y="2750276"/>
+            <a:off x="5887811" y="2194560"/>
             <a:ext cx="5772150" cy="3219450"/>
           </a:xfrm>
           <a:prstGeom prst="rect">
@@ -15293,6 +16067,40 @@
           </a:prstGeom>
         </p:spPr>
       </p:pic>
+      <p:sp>
+        <p:nvSpPr>
+          <p:cNvPr id="4" name="TextBox 3"/>
+          <p:cNvSpPr txBox="1"/>
+          <p:nvPr/>
+        </p:nvSpPr>
+        <p:spPr>
+          <a:xfrm>
+            <a:off x="1681571" y="3633889"/>
+            <a:ext cx="4206240" cy="369332"/>
+          </a:xfrm>
+          <a:prstGeom prst="rect">
+            <a:avLst/>
+          </a:prstGeom>
+          <a:noFill/>
+        </p:spPr>
+        <p:txBody>
+          <a:bodyPr wrap="square" rtlCol="0">
+            <a:spAutoFit/>
+          </a:bodyPr>
+          <a:lstStyle/>
+          <a:p>
+            <a:r>
+              <a:rPr lang="ru-RU" dirty="0" smtClean="0"/>
+              <a:t>Внешний вид микросхемы </a:t>
+            </a:r>
+            <a:r>
+              <a:rPr lang="en-US" dirty="0" smtClean="0"/>
+              <a:t>EEPROM</a:t>
+            </a:r>
+            <a:endParaRPr lang="ru-RU" dirty="0"/>
+          </a:p>
+        </p:txBody>
+      </p:sp>
     </p:spTree>
     <p:extLst>
       <p:ext uri="{BB962C8B-B14F-4D97-AF65-F5344CB8AC3E}">
@@ -15325,7 +16133,7 @@
 </p:sld>
 </file>
 
-<file path=ppt/slides/slide14.xml><?xml version="1.0" encoding="utf-8"?>
+<file path=ppt/slides/slide16.xml><?xml version="1.0" encoding="utf-8"?>
 <p:sld xmlns:a="http://schemas.openxmlformats.org/drawingml/2006/main" xmlns:r="http://schemas.openxmlformats.org/officeDocument/2006/relationships" xmlns:p="http://schemas.openxmlformats.org/presentationml/2006/main">
   <p:cSld>
     <p:spTree>
@@ -15449,7 +16257,369 @@
 </p:sld>
 </file>
 
-<file path=ppt/slides/slide15.xml><?xml version="1.0" encoding="utf-8"?>
+<file path=ppt/slides/slide17.xml><?xml version="1.0" encoding="utf-8"?>
+<p:sld xmlns:a="http://schemas.openxmlformats.org/drawingml/2006/main" xmlns:r="http://schemas.openxmlformats.org/officeDocument/2006/relationships" xmlns:p="http://schemas.openxmlformats.org/presentationml/2006/main">
+  <p:cSld>
+    <p:spTree>
+      <p:nvGrpSpPr>
+        <p:cNvPr id="1" name=""/>
+        <p:cNvGrpSpPr/>
+        <p:nvPr/>
+      </p:nvGrpSpPr>
+      <p:grpSpPr>
+        <a:xfrm>
+          <a:off x="0" y="0"/>
+          <a:ext cx="0" cy="0"/>
+          <a:chOff x="0" y="0"/>
+          <a:chExt cx="0" cy="0"/>
+        </a:xfrm>
+      </p:grpSpPr>
+      <p:sp>
+        <p:nvSpPr>
+          <p:cNvPr id="3" name="Объект 2"/>
+          <p:cNvSpPr>
+            <a:spLocks noGrp="1"/>
+          </p:cNvSpPr>
+          <p:nvPr>
+            <p:ph idx="1"/>
+          </p:nvPr>
+        </p:nvSpPr>
+        <p:spPr>
+          <a:xfrm>
+            <a:off x="548641" y="1293223"/>
+            <a:ext cx="5381896" cy="3938173"/>
+          </a:xfrm>
+        </p:spPr>
+        <p:txBody>
+          <a:bodyPr>
+            <a:normAutofit/>
+          </a:bodyPr>
+          <a:lstStyle/>
+          <a:p>
+            <a:r>
+              <a:rPr lang="ru-RU" dirty="0"/>
+              <a:t>Обобщённая блок-схема арифметико-логического устройства (АЛУ). Стрелками указаны входные и выходные слова. Флаги — признаки (например, результата сравнения операндов) выполнения предыдущей операции (вход) и результата выполнения текущей операции (выход). В одноместных операциях таких, например, как инверсия битов слова или битовый сдвиг второй операнд (B) не участвует в операции. Слово команды указывает необходимую операцию.</a:t>
+            </a:r>
+            <a:endParaRPr lang="ru-RU" dirty="0"/>
+          </a:p>
+        </p:txBody>
+      </p:sp>
+      <p:pic>
+        <p:nvPicPr>
+          <p:cNvPr id="4098" name="Picture 2" descr="https://upload.wikimedia.org/wikipedia/commons/thumb/1/16/ALU_block-ru.svg/1024px-ALU_block-ru.svg.png"/>
+          <p:cNvPicPr>
+            <a:picLocks noChangeAspect="1" noChangeArrowheads="1"/>
+          </p:cNvPicPr>
+          <p:nvPr/>
+        </p:nvPicPr>
+        <p:blipFill>
+          <a:blip r:embed="rId2">
+            <a:extLst>
+              <a:ext uri="{28A0092B-C50C-407E-A947-70E740481C1C}">
+                <a14:useLocalDpi xmlns:a14="http://schemas.microsoft.com/office/drawing/2010/main" val="0"/>
+              </a:ext>
+            </a:extLst>
+          </a:blip>
+          <a:srcRect/>
+          <a:stretch>
+            <a:fillRect/>
+          </a:stretch>
+        </p:blipFill>
+        <p:spPr bwMode="auto">
+          <a:xfrm>
+            <a:off x="6178730" y="1508482"/>
+            <a:ext cx="5611495" cy="3255106"/>
+          </a:xfrm>
+          <a:prstGeom prst="rect">
+            <a:avLst/>
+          </a:prstGeom>
+          <a:noFill/>
+          <a:extLst>
+            <a:ext uri="{909E8E84-426E-40DD-AFC4-6F175D3DCCD1}">
+              <a14:hiddenFill xmlns:a14="http://schemas.microsoft.com/office/drawing/2010/main">
+                <a:solidFill>
+                  <a:srgbClr val="FFFFFF"/>
+                </a:solidFill>
+              </a14:hiddenFill>
+            </a:ext>
+          </a:extLst>
+        </p:spPr>
+      </p:pic>
+    </p:spTree>
+    <p:extLst>
+      <p:ext uri="{BB962C8B-B14F-4D97-AF65-F5344CB8AC3E}">
+        <p14:creationId xmlns:p14="http://schemas.microsoft.com/office/powerpoint/2010/main" val="451503211"/>
+      </p:ext>
+    </p:extLst>
+  </p:cSld>
+  <p:clrMapOvr>
+    <a:masterClrMapping/>
+  </p:clrMapOvr>
+  <mc:AlternateContent xmlns:mc="http://schemas.openxmlformats.org/markup-compatibility/2006" xmlns:p14="http://schemas.microsoft.com/office/powerpoint/2010/main">
+    <mc:Choice Requires="p14">
+      <p:transition spd="med" p14:dur="700">
+        <p:fade/>
+      </p:transition>
+    </mc:Choice>
+    <mc:Fallback xmlns="">
+      <p:transition spd="med">
+        <p:fade/>
+      </p:transition>
+    </mc:Fallback>
+  </mc:AlternateContent>
+</p:sld>
+</file>
+
+<file path=ppt/slides/slide18.xml><?xml version="1.0" encoding="utf-8"?>
+<p:sld xmlns:a="http://schemas.openxmlformats.org/drawingml/2006/main" xmlns:r="http://schemas.openxmlformats.org/officeDocument/2006/relationships" xmlns:p="http://schemas.openxmlformats.org/presentationml/2006/main">
+  <p:cSld>
+    <p:spTree>
+      <p:nvGrpSpPr>
+        <p:cNvPr id="1" name=""/>
+        <p:cNvGrpSpPr/>
+        <p:nvPr/>
+      </p:nvGrpSpPr>
+      <p:grpSpPr>
+        <a:xfrm>
+          <a:off x="0" y="0"/>
+          <a:ext cx="0" cy="0"/>
+          <a:chOff x="0" y="0"/>
+          <a:chExt cx="0" cy="0"/>
+        </a:xfrm>
+      </p:grpSpPr>
+      <p:sp>
+        <p:nvSpPr>
+          <p:cNvPr id="3" name="Объект 2"/>
+          <p:cNvSpPr>
+            <a:spLocks noGrp="1"/>
+          </p:cNvSpPr>
+          <p:nvPr>
+            <p:ph idx="1"/>
+          </p:nvPr>
+        </p:nvSpPr>
+        <p:spPr>
+          <a:xfrm>
+            <a:off x="889019" y="3344092"/>
+            <a:ext cx="3688307" cy="1241515"/>
+          </a:xfrm>
+        </p:spPr>
+        <p:txBody>
+          <a:bodyPr/>
+          <a:lstStyle/>
+          <a:p>
+            <a:pPr marL="0" indent="0">
+              <a:buNone/>
+            </a:pPr>
+            <a:r>
+              <a:rPr lang="ru-RU" dirty="0"/>
+              <a:t>Функциональная схема АЛУ</a:t>
+            </a:r>
+            <a:endParaRPr lang="ru-RU" dirty="0"/>
+          </a:p>
+        </p:txBody>
+      </p:sp>
+      <p:pic>
+        <p:nvPicPr>
+          <p:cNvPr id="5122" name="Picture 2" descr="https://upload.wikimedia.org/wikipedia/commons/e/e9/%D0%A4%D1%83%D0%BD%D0%BA%D1%86%D0%B8%D0%BE%D0%BD%D0%B0%D0%BB%D1%8C%D0%BD%D0%B0%D1%8F_%D1%81%D1%85%D0%B5%D0%BC%D0%B0_%D0%90%D0%9B%D0%A3.png"/>
+          <p:cNvPicPr>
+            <a:picLocks noChangeAspect="1" noChangeArrowheads="1"/>
+          </p:cNvPicPr>
+          <p:nvPr/>
+        </p:nvPicPr>
+        <p:blipFill>
+          <a:blip r:embed="rId2">
+            <a:extLst>
+              <a:ext uri="{28A0092B-C50C-407E-A947-70E740481C1C}">
+                <a14:useLocalDpi xmlns:a14="http://schemas.microsoft.com/office/drawing/2010/main" val="0"/>
+              </a:ext>
+            </a:extLst>
+          </a:blip>
+          <a:srcRect/>
+          <a:stretch>
+            <a:fillRect/>
+          </a:stretch>
+        </p:blipFill>
+        <p:spPr bwMode="auto">
+          <a:xfrm>
+            <a:off x="194761" y="1724298"/>
+            <a:ext cx="5076825" cy="1485900"/>
+          </a:xfrm>
+          <a:prstGeom prst="rect">
+            <a:avLst/>
+          </a:prstGeom>
+          <a:noFill/>
+          <a:extLst>
+            <a:ext uri="{909E8E84-426E-40DD-AFC4-6F175D3DCCD1}">
+              <a14:hiddenFill xmlns:a14="http://schemas.microsoft.com/office/drawing/2010/main">
+                <a:solidFill>
+                  <a:srgbClr val="FFFFFF"/>
+                </a:solidFill>
+              </a14:hiddenFill>
+            </a:ext>
+          </a:extLst>
+        </p:spPr>
+      </p:pic>
+      <p:pic>
+        <p:nvPicPr>
+          <p:cNvPr id="5124" name="Picture 4" descr="https://upload.wikimedia.org/wikipedia/commons/thumb/c/c0/74181aluschematic.png/800px-74181aluschematic.png"/>
+          <p:cNvPicPr>
+            <a:picLocks noChangeAspect="1" noChangeArrowheads="1"/>
+          </p:cNvPicPr>
+          <p:nvPr/>
+        </p:nvPicPr>
+        <p:blipFill>
+          <a:blip r:embed="rId3">
+            <a:extLst>
+              <a:ext uri="{28A0092B-C50C-407E-A947-70E740481C1C}">
+                <a14:useLocalDpi xmlns:a14="http://schemas.microsoft.com/office/drawing/2010/main" val="0"/>
+              </a:ext>
+            </a:extLst>
+          </a:blip>
+          <a:srcRect/>
+          <a:stretch>
+            <a:fillRect/>
+          </a:stretch>
+        </p:blipFill>
+        <p:spPr bwMode="auto">
+          <a:xfrm>
+            <a:off x="5630091" y="165491"/>
+            <a:ext cx="6087291" cy="4603513"/>
+          </a:xfrm>
+          <a:prstGeom prst="rect">
+            <a:avLst/>
+          </a:prstGeom>
+          <a:noFill/>
+          <a:extLst>
+            <a:ext uri="{909E8E84-426E-40DD-AFC4-6F175D3DCCD1}">
+              <a14:hiddenFill xmlns:a14="http://schemas.microsoft.com/office/drawing/2010/main">
+                <a:solidFill>
+                  <a:srgbClr val="FFFFFF"/>
+                </a:solidFill>
+              </a14:hiddenFill>
+            </a:ext>
+          </a:extLst>
+        </p:spPr>
+      </p:pic>
+      <p:sp>
+        <p:nvSpPr>
+          <p:cNvPr id="4" name="TextBox 3"/>
+          <p:cNvSpPr txBox="1"/>
+          <p:nvPr/>
+        </p:nvSpPr>
+        <p:spPr>
+          <a:xfrm>
+            <a:off x="457200" y="4902898"/>
+            <a:ext cx="11482251" cy="1200329"/>
+          </a:xfrm>
+          <a:prstGeom prst="rect">
+            <a:avLst/>
+          </a:prstGeom>
+          <a:noFill/>
+        </p:spPr>
+        <p:txBody>
+          <a:bodyPr wrap="square" rtlCol="0">
+            <a:spAutoFit/>
+          </a:bodyPr>
+          <a:lstStyle/>
+          <a:p>
+            <a:r>
+              <a:rPr lang="ru-RU" dirty="0">
+                <a:solidFill>
+                  <a:srgbClr val="2D2E2D"/>
+                </a:solidFill>
+              </a:rPr>
+              <a:t>Комбинационная логическая схема 4-битного АЛУ, реализованная в 24-х выводной </a:t>
+            </a:r>
+            <a:r>
+              <a:rPr lang="ru-RU" dirty="0" smtClean="0">
+                <a:solidFill>
+                  <a:srgbClr val="2D2E2D"/>
+                </a:solidFill>
+              </a:rPr>
+              <a:t>микросхеме ТТЛ, </a:t>
+            </a:r>
+            <a:r>
+              <a:rPr lang="ru-RU" dirty="0">
+                <a:solidFill>
+                  <a:srgbClr val="2D2E2D"/>
+                </a:solidFill>
+              </a:rPr>
+              <a:t>модель 74181, впервые разработанная и ранее изготавливаемая фирмой </a:t>
+            </a:r>
+            <a:r>
+              <a:rPr lang="en-US" dirty="0" smtClean="0">
+                <a:solidFill>
+                  <a:srgbClr val="2D2E2D"/>
+                </a:solidFill>
+              </a:rPr>
+              <a:t>Texas Instruments</a:t>
+            </a:r>
+            <a:r>
+              <a:rPr lang="ru-RU" dirty="0" smtClean="0">
+                <a:solidFill>
+                  <a:srgbClr val="2D2E2D"/>
+                </a:solidFill>
+              </a:rPr>
+              <a:t>. </a:t>
+            </a:r>
+            <a:r>
+              <a:rPr lang="ru-RU" dirty="0">
+                <a:solidFill>
+                  <a:srgbClr val="2D2E2D"/>
+                </a:solidFill>
+              </a:rPr>
+              <a:t>Выполняет сложение, вычитание, все элементарные </a:t>
+            </a:r>
+            <a:r>
+              <a:rPr lang="ru-RU" dirty="0" smtClean="0">
+                <a:solidFill>
+                  <a:srgbClr val="2D2E2D"/>
+                </a:solidFill>
+              </a:rPr>
+              <a:t>логические функции</a:t>
+            </a:r>
+            <a:r>
+              <a:rPr lang="ru-RU" dirty="0">
+                <a:solidFill>
+                  <a:srgbClr val="2D2E2D"/>
+                </a:solidFill>
+              </a:rPr>
+              <a:t> и битовые сдвиги над двумя 4-х битовыми операндами. Не содержит в своем составе регистров.</a:t>
+            </a:r>
+            <a:endParaRPr lang="ru-RU" dirty="0">
+              <a:solidFill>
+                <a:srgbClr val="2D2E2D"/>
+              </a:solidFill>
+            </a:endParaRPr>
+          </a:p>
+        </p:txBody>
+      </p:sp>
+    </p:spTree>
+    <p:extLst>
+      <p:ext uri="{BB962C8B-B14F-4D97-AF65-F5344CB8AC3E}">
+        <p14:creationId xmlns:p14="http://schemas.microsoft.com/office/powerpoint/2010/main" val="301395849"/>
+      </p:ext>
+    </p:extLst>
+  </p:cSld>
+  <p:clrMapOvr>
+    <a:masterClrMapping/>
+  </p:clrMapOvr>
+  <mc:AlternateContent xmlns:mc="http://schemas.openxmlformats.org/markup-compatibility/2006" xmlns:p14="http://schemas.microsoft.com/office/powerpoint/2010/main">
+    <mc:Choice Requires="p14">
+      <p:transition spd="med" p14:dur="700">
+        <p:fade/>
+      </p:transition>
+    </mc:Choice>
+    <mc:Fallback xmlns="">
+      <p:transition spd="med">
+        <p:fade/>
+      </p:transition>
+    </mc:Fallback>
+  </mc:AlternateContent>
+</p:sld>
+</file>
+
+<file path=ppt/slides/slide19.xml><?xml version="1.0" encoding="utf-8"?>
 <p:sld xmlns:a="http://schemas.openxmlformats.org/drawingml/2006/main" xmlns:r="http://schemas.openxmlformats.org/officeDocument/2006/relationships" xmlns:p="http://schemas.openxmlformats.org/presentationml/2006/main">
   <p:cSld>
     <p:spTree>
@@ -17178,86 +18348,6 @@
 </p:sld>
 </file>
 
-<file path=ppt/slides/slide16.xml><?xml version="1.0" encoding="utf-8"?>
-<p:sld xmlns:a="http://schemas.openxmlformats.org/drawingml/2006/main" xmlns:r="http://schemas.openxmlformats.org/officeDocument/2006/relationships" xmlns:p="http://schemas.openxmlformats.org/presentationml/2006/main">
-  <p:cSld>
-    <p:spTree>
-      <p:nvGrpSpPr>
-        <p:cNvPr id="1" name=""/>
-        <p:cNvGrpSpPr/>
-        <p:nvPr/>
-      </p:nvGrpSpPr>
-      <p:grpSpPr>
-        <a:xfrm>
-          <a:off x="0" y="0"/>
-          <a:ext cx="0" cy="0"/>
-          <a:chOff x="0" y="0"/>
-          <a:chExt cx="0" cy="0"/>
-        </a:xfrm>
-      </p:grpSpPr>
-      <p:sp>
-        <p:nvSpPr>
-          <p:cNvPr id="2" name="Заголовок 1"/>
-          <p:cNvSpPr>
-            <a:spLocks noGrp="1"/>
-          </p:cNvSpPr>
-          <p:nvPr>
-            <p:ph type="title"/>
-          </p:nvPr>
-        </p:nvSpPr>
-        <p:spPr>
-          <a:xfrm>
-            <a:off x="1084217" y="2149774"/>
-            <a:ext cx="9956074" cy="1377198"/>
-          </a:xfrm>
-        </p:spPr>
-        <p:txBody>
-          <a:bodyPr>
-            <a:normAutofit/>
-          </a:bodyPr>
-          <a:lstStyle/>
-          <a:p>
-            <a:pPr algn="ctr"/>
-            <a:r>
-              <a:rPr lang="ru-RU" sz="6000" dirty="0" smtClean="0"/>
-              <a:t>Благодарим за внимание</a:t>
-            </a:r>
-            <a:endParaRPr lang="ru-RU" sz="6000" dirty="0"/>
-          </a:p>
-        </p:txBody>
-      </p:sp>
-    </p:spTree>
-    <p:extLst>
-      <p:ext uri="{BB962C8B-B14F-4D97-AF65-F5344CB8AC3E}">
-        <p14:creationId xmlns:p14="http://schemas.microsoft.com/office/powerpoint/2010/main" val="1061874970"/>
-      </p:ext>
-    </p:extLst>
-  </p:cSld>
-  <p:clrMapOvr>
-    <a:masterClrMapping/>
-  </p:clrMapOvr>
-  <mc:AlternateContent xmlns:mc="http://schemas.openxmlformats.org/markup-compatibility/2006" xmlns:p14="http://schemas.microsoft.com/office/powerpoint/2010/main">
-    <mc:Choice Requires="p14">
-      <p:transition spd="med" p14:dur="700">
-        <p:fade/>
-      </p:transition>
-    </mc:Choice>
-    <mc:Fallback xmlns="">
-      <p:transition spd="med">
-        <p:fade/>
-      </p:transition>
-    </mc:Fallback>
-  </mc:AlternateContent>
-  <p:timing>
-    <p:tnLst>
-      <p:par>
-        <p:cTn id="1" dur="indefinite" restart="never" nodeType="tmRoot"/>
-      </p:par>
-    </p:tnLst>
-  </p:timing>
-</p:sld>
-</file>
-
 <file path=ppt/slides/slide2.xml><?xml version="1.0" encoding="utf-8"?>
 <p:sld xmlns:a="http://schemas.openxmlformats.org/drawingml/2006/main" xmlns:r="http://schemas.openxmlformats.org/officeDocument/2006/relationships" xmlns:p="http://schemas.openxmlformats.org/presentationml/2006/main">
   <p:cSld>
@@ -17923,6 +19013,86 @@
     <p:extLst>
       <p:ext uri="{BB962C8B-B14F-4D97-AF65-F5344CB8AC3E}">
         <p14:creationId xmlns:p14="http://schemas.microsoft.com/office/powerpoint/2010/main" val="3400457703"/>
+      </p:ext>
+    </p:extLst>
+  </p:cSld>
+  <p:clrMapOvr>
+    <a:masterClrMapping/>
+  </p:clrMapOvr>
+  <mc:AlternateContent xmlns:mc="http://schemas.openxmlformats.org/markup-compatibility/2006" xmlns:p14="http://schemas.microsoft.com/office/powerpoint/2010/main">
+    <mc:Choice Requires="p14">
+      <p:transition spd="med" p14:dur="700">
+        <p:fade/>
+      </p:transition>
+    </mc:Choice>
+    <mc:Fallback xmlns="">
+      <p:transition spd="med">
+        <p:fade/>
+      </p:transition>
+    </mc:Fallback>
+  </mc:AlternateContent>
+  <p:timing>
+    <p:tnLst>
+      <p:par>
+        <p:cTn id="1" dur="indefinite" restart="never" nodeType="tmRoot"/>
+      </p:par>
+    </p:tnLst>
+  </p:timing>
+</p:sld>
+</file>
+
+<file path=ppt/slides/slide20.xml><?xml version="1.0" encoding="utf-8"?>
+<p:sld xmlns:a="http://schemas.openxmlformats.org/drawingml/2006/main" xmlns:r="http://schemas.openxmlformats.org/officeDocument/2006/relationships" xmlns:p="http://schemas.openxmlformats.org/presentationml/2006/main">
+  <p:cSld>
+    <p:spTree>
+      <p:nvGrpSpPr>
+        <p:cNvPr id="1" name=""/>
+        <p:cNvGrpSpPr/>
+        <p:nvPr/>
+      </p:nvGrpSpPr>
+      <p:grpSpPr>
+        <a:xfrm>
+          <a:off x="0" y="0"/>
+          <a:ext cx="0" cy="0"/>
+          <a:chOff x="0" y="0"/>
+          <a:chExt cx="0" cy="0"/>
+        </a:xfrm>
+      </p:grpSpPr>
+      <p:sp>
+        <p:nvSpPr>
+          <p:cNvPr id="2" name="Заголовок 1"/>
+          <p:cNvSpPr>
+            <a:spLocks noGrp="1"/>
+          </p:cNvSpPr>
+          <p:nvPr>
+            <p:ph type="title"/>
+          </p:nvPr>
+        </p:nvSpPr>
+        <p:spPr>
+          <a:xfrm>
+            <a:off x="1084217" y="2149774"/>
+            <a:ext cx="9956074" cy="1377198"/>
+          </a:xfrm>
+        </p:spPr>
+        <p:txBody>
+          <a:bodyPr>
+            <a:normAutofit/>
+          </a:bodyPr>
+          <a:lstStyle/>
+          <a:p>
+            <a:pPr algn="ctr"/>
+            <a:r>
+              <a:rPr lang="ru-RU" sz="6000" dirty="0" smtClean="0"/>
+              <a:t>Благодарим за внимание</a:t>
+            </a:r>
+            <a:endParaRPr lang="ru-RU" sz="6000" dirty="0"/>
+          </a:p>
+        </p:txBody>
+      </p:sp>
+    </p:spTree>
+    <p:extLst>
+      <p:ext uri="{BB962C8B-B14F-4D97-AF65-F5344CB8AC3E}">
+        <p14:creationId xmlns:p14="http://schemas.microsoft.com/office/powerpoint/2010/main" val="1061874970"/>
       </p:ext>
     </p:extLst>
   </p:cSld>

--- a/IVM/ЭВМ №8.pptx
+++ b/IVM/ЭВМ №8.pptx
@@ -18,8 +18,8 @@
     <p:sldId id="271" r:id="rId12"/>
     <p:sldId id="272" r:id="rId13"/>
     <p:sldId id="278" r:id="rId14"/>
-    <p:sldId id="279" r:id="rId15"/>
-    <p:sldId id="274" r:id="rId16"/>
+    <p:sldId id="274" r:id="rId15"/>
+    <p:sldId id="279" r:id="rId16"/>
     <p:sldId id="275" r:id="rId17"/>
     <p:sldId id="280" r:id="rId18"/>
     <p:sldId id="281" r:id="rId19"/>
@@ -2281,7 +2281,7 @@
             <a:pPr rtl="0"/>
             <a:fld id="{21D30A75-6773-4051-8E3B-50DEBD5B27F5}" type="datetime1">
               <a:rPr lang="ru-RU" smtClean="0"/>
-              <a:t>07.12.2018</a:t>
+              <a:t>13.12.2018</a:t>
             </a:fld>
             <a:endParaRPr lang="ru-RU" dirty="0"/>
           </a:p>
@@ -2481,7 +2481,7 @@
             <a:pPr rtl="0"/>
             <a:fld id="{D7928C6E-EC50-49F1-B95C-FD73C1D14895}" type="datetime1">
               <a:rPr lang="ru-RU" smtClean="0"/>
-              <a:t>07.12.2018</a:t>
+              <a:t>13.12.2018</a:t>
             </a:fld>
             <a:endParaRPr lang="ru-RU" dirty="0"/>
           </a:p>
@@ -2671,7 +2671,7 @@
             <a:pPr rtl="0"/>
             <a:fld id="{A29ED9D4-4098-4CD3-A9A7-C343301264F2}" type="datetime1">
               <a:rPr lang="ru-RU" smtClean="0"/>
-              <a:t>07.12.2018</a:t>
+              <a:t>13.12.2018</a:t>
             </a:fld>
             <a:endParaRPr lang="ru-RU" dirty="0"/>
           </a:p>
@@ -5020,7 +5020,7 @@
             <a:pPr rtl="0"/>
             <a:fld id="{687FFE1D-B4BF-42B3-9799-021BB66D51E4}" type="datetime1">
               <a:rPr lang="ru-RU" smtClean="0"/>
-              <a:t>07.12.2018</a:t>
+              <a:t>13.12.2018</a:t>
             </a:fld>
             <a:endParaRPr lang="ru-RU" dirty="0"/>
           </a:p>
@@ -5480,7 +5480,7 @@
             <a:pPr rtl="0"/>
             <a:fld id="{433AC169-0119-4659-9B73-547F9C11A152}" type="datetime1">
               <a:rPr lang="ru-RU" smtClean="0"/>
-              <a:t>07.12.2018</a:t>
+              <a:t>13.12.2018</a:t>
             </a:fld>
             <a:endParaRPr lang="ru-RU" dirty="0"/>
           </a:p>
@@ -5618,7 +5618,7 @@
             <a:pPr rtl="0"/>
             <a:fld id="{88FE940F-5E05-43A4-90CE-E7C7653F1C67}" type="datetime1">
               <a:rPr lang="ru-RU" smtClean="0"/>
-              <a:t>07.12.2018</a:t>
+              <a:t>13.12.2018</a:t>
             </a:fld>
             <a:endParaRPr lang="ru-RU" dirty="0"/>
           </a:p>
@@ -7555,7 +7555,7 @@
             <a:pPr rtl="0"/>
             <a:fld id="{CA01554F-F072-4658-949A-7A94F490DB04}" type="datetime1">
               <a:rPr lang="ru-RU" smtClean="0"/>
-              <a:t>07.12.2018</a:t>
+              <a:t>13.12.2018</a:t>
             </a:fld>
             <a:endParaRPr lang="ru-RU" dirty="0"/>
           </a:p>
@@ -9818,7 +9818,7 @@
             <a:pPr rtl="0"/>
             <a:fld id="{3B0BFD1E-E11D-434C-9F87-0B5F0A29CFEC}" type="datetime1">
               <a:rPr lang="ru-RU" smtClean="0"/>
-              <a:t>07.12.2018</a:t>
+              <a:t>13.12.2018</a:t>
             </a:fld>
             <a:endParaRPr lang="ru-RU" dirty="0"/>
           </a:p>
@@ -14121,7 +14121,7 @@
             <a:pPr rtl="0"/>
             <a:fld id="{99137652-B7E4-4AE8-853E-9803CAFAAF7E}" type="datetime1">
               <a:rPr lang="ru-RU" smtClean="0"/>
-              <a:t>07.12.2018</a:t>
+              <a:t>13.12.2018</a:t>
             </a:fld>
             <a:endParaRPr lang="ru-RU" dirty="0"/>
           </a:p>
@@ -15328,6 +15328,143 @@
         </p:nvSpPr>
         <p:spPr>
           <a:xfrm>
+            <a:off x="0" y="353242"/>
+            <a:ext cx="11659961" cy="1841318"/>
+          </a:xfrm>
+        </p:spPr>
+        <p:txBody>
+          <a:bodyPr/>
+          <a:lstStyle/>
+          <a:p>
+            <a:r>
+              <a:rPr lang="ru-RU" dirty="0"/>
+              <a:t>Микросхемы ЕЕРRОМ созданы на основе транзисторов с плавающим затвором. Микросхема ЕЕРRОМ запрограммирована путём принудительной программируемой информации в виде электронов через оксид затвора. Затем плавающий затвор обеспечивает хранение этих электронов. Ячейка памяти считается запрограммированной, когда она заряжается электронами, и это представляется нулём. Если ячейка памяти не заряжена, она не запрограммирована, и она представлена единицей</a:t>
+            </a:r>
+            <a:r>
+              <a:rPr lang="ru-RU" dirty="0" smtClean="0"/>
+              <a:t>.</a:t>
+            </a:r>
+            <a:endParaRPr lang="ru-RU" dirty="0"/>
+          </a:p>
+        </p:txBody>
+      </p:sp>
+      <p:pic>
+        <p:nvPicPr>
+          <p:cNvPr id="7" name="Рисунок 6"/>
+          <p:cNvPicPr/>
+          <p:nvPr/>
+        </p:nvPicPr>
+        <p:blipFill>
+          <a:blip r:embed="rId2"/>
+          <a:stretch>
+            <a:fillRect/>
+          </a:stretch>
+        </p:blipFill>
+        <p:spPr>
+          <a:xfrm>
+            <a:off x="5887811" y="2194560"/>
+            <a:ext cx="5772150" cy="3219450"/>
+          </a:xfrm>
+          <a:prstGeom prst="rect">
+            <a:avLst/>
+          </a:prstGeom>
+        </p:spPr>
+      </p:pic>
+      <p:sp>
+        <p:nvSpPr>
+          <p:cNvPr id="4" name="TextBox 3"/>
+          <p:cNvSpPr txBox="1"/>
+          <p:nvPr/>
+        </p:nvSpPr>
+        <p:spPr>
+          <a:xfrm>
+            <a:off x="1681571" y="3633889"/>
+            <a:ext cx="4206240" cy="369332"/>
+          </a:xfrm>
+          <a:prstGeom prst="rect">
+            <a:avLst/>
+          </a:prstGeom>
+          <a:noFill/>
+        </p:spPr>
+        <p:txBody>
+          <a:bodyPr wrap="square" rtlCol="0">
+            <a:spAutoFit/>
+          </a:bodyPr>
+          <a:lstStyle/>
+          <a:p>
+            <a:r>
+              <a:rPr lang="ru-RU" dirty="0" smtClean="0"/>
+              <a:t>Внешний вид микросхемы </a:t>
+            </a:r>
+            <a:r>
+              <a:rPr lang="en-US" dirty="0" smtClean="0"/>
+              <a:t>EEPROM</a:t>
+            </a:r>
+            <a:endParaRPr lang="ru-RU" dirty="0"/>
+          </a:p>
+        </p:txBody>
+      </p:sp>
+    </p:spTree>
+    <p:extLst>
+      <p:ext uri="{BB962C8B-B14F-4D97-AF65-F5344CB8AC3E}">
+        <p14:creationId xmlns:p14="http://schemas.microsoft.com/office/powerpoint/2010/main" val="3640765770"/>
+      </p:ext>
+    </p:extLst>
+  </p:cSld>
+  <p:clrMapOvr>
+    <a:masterClrMapping/>
+  </p:clrMapOvr>
+  <mc:AlternateContent xmlns:mc="http://schemas.openxmlformats.org/markup-compatibility/2006" xmlns:p14="http://schemas.microsoft.com/office/powerpoint/2010/main">
+    <mc:Choice Requires="p14">
+      <p:transition spd="med" p14:dur="700">
+        <p:fade/>
+      </p:transition>
+    </mc:Choice>
+    <mc:Fallback xmlns="">
+      <p:transition spd="med">
+        <p:fade/>
+      </p:transition>
+    </mc:Fallback>
+  </mc:AlternateContent>
+  <p:timing>
+    <p:tnLst>
+      <p:par>
+        <p:cTn id="1" dur="indefinite" restart="never" nodeType="tmRoot"/>
+      </p:par>
+    </p:tnLst>
+  </p:timing>
+</p:sld>
+</file>
+
+<file path=ppt/slides/slide15.xml><?xml version="1.0" encoding="utf-8"?>
+<p:sld xmlns:a="http://schemas.openxmlformats.org/drawingml/2006/main" xmlns:r="http://schemas.openxmlformats.org/officeDocument/2006/relationships" xmlns:p="http://schemas.openxmlformats.org/presentationml/2006/main">
+  <p:cSld>
+    <p:spTree>
+      <p:nvGrpSpPr>
+        <p:cNvPr id="1" name=""/>
+        <p:cNvGrpSpPr/>
+        <p:nvPr/>
+      </p:nvGrpSpPr>
+      <p:grpSpPr>
+        <a:xfrm>
+          <a:off x="0" y="0"/>
+          <a:ext cx="0" cy="0"/>
+          <a:chOff x="0" y="0"/>
+          <a:chExt cx="0" cy="0"/>
+        </a:xfrm>
+      </p:grpSpPr>
+      <p:sp>
+        <p:nvSpPr>
+          <p:cNvPr id="3" name="Объект 2"/>
+          <p:cNvSpPr>
+            <a:spLocks noGrp="1"/>
+          </p:cNvSpPr>
+          <p:nvPr>
+            <p:ph idx="1"/>
+          </p:nvPr>
+        </p:nvSpPr>
+        <p:spPr>
+          <a:xfrm>
             <a:off x="470263" y="3161210"/>
             <a:ext cx="4052775" cy="2185851"/>
           </a:xfrm>
@@ -15996,143 +16133,6 @@
 </p:sld>
 </file>
 
-<file path=ppt/slides/slide15.xml><?xml version="1.0" encoding="utf-8"?>
-<p:sld xmlns:a="http://schemas.openxmlformats.org/drawingml/2006/main" xmlns:r="http://schemas.openxmlformats.org/officeDocument/2006/relationships" xmlns:p="http://schemas.openxmlformats.org/presentationml/2006/main">
-  <p:cSld>
-    <p:spTree>
-      <p:nvGrpSpPr>
-        <p:cNvPr id="1" name=""/>
-        <p:cNvGrpSpPr/>
-        <p:nvPr/>
-      </p:nvGrpSpPr>
-      <p:grpSpPr>
-        <a:xfrm>
-          <a:off x="0" y="0"/>
-          <a:ext cx="0" cy="0"/>
-          <a:chOff x="0" y="0"/>
-          <a:chExt cx="0" cy="0"/>
-        </a:xfrm>
-      </p:grpSpPr>
-      <p:sp>
-        <p:nvSpPr>
-          <p:cNvPr id="3" name="Объект 2"/>
-          <p:cNvSpPr>
-            <a:spLocks noGrp="1"/>
-          </p:cNvSpPr>
-          <p:nvPr>
-            <p:ph idx="1"/>
-          </p:nvPr>
-        </p:nvSpPr>
-        <p:spPr>
-          <a:xfrm>
-            <a:off x="0" y="353242"/>
-            <a:ext cx="11659961" cy="1841318"/>
-          </a:xfrm>
-        </p:spPr>
-        <p:txBody>
-          <a:bodyPr/>
-          <a:lstStyle/>
-          <a:p>
-            <a:r>
-              <a:rPr lang="ru-RU" dirty="0"/>
-              <a:t>Микросхемы ЕЕРRОМ созданы на основе транзисторов с плавающим затвором. Микросхема ЕЕРRОМ запрограммирована путём принудительной программируемой информации в виде электронов через оксид затвора. Затем плавающий затвор обеспечивает хранение этих электронов. Ячейка памяти считается запрограммированной, когда она заряжается электронами, и это представляется нулём. Если ячейка памяти не заряжена, она не запрограммирована, и она представлена единицей</a:t>
-            </a:r>
-            <a:r>
-              <a:rPr lang="ru-RU" dirty="0" smtClean="0"/>
-              <a:t>.</a:t>
-            </a:r>
-            <a:endParaRPr lang="ru-RU" dirty="0"/>
-          </a:p>
-        </p:txBody>
-      </p:sp>
-      <p:pic>
-        <p:nvPicPr>
-          <p:cNvPr id="7" name="Рисунок 6"/>
-          <p:cNvPicPr/>
-          <p:nvPr/>
-        </p:nvPicPr>
-        <p:blipFill>
-          <a:blip r:embed="rId2"/>
-          <a:stretch>
-            <a:fillRect/>
-          </a:stretch>
-        </p:blipFill>
-        <p:spPr>
-          <a:xfrm>
-            <a:off x="5887811" y="2194560"/>
-            <a:ext cx="5772150" cy="3219450"/>
-          </a:xfrm>
-          <a:prstGeom prst="rect">
-            <a:avLst/>
-          </a:prstGeom>
-        </p:spPr>
-      </p:pic>
-      <p:sp>
-        <p:nvSpPr>
-          <p:cNvPr id="4" name="TextBox 3"/>
-          <p:cNvSpPr txBox="1"/>
-          <p:nvPr/>
-        </p:nvSpPr>
-        <p:spPr>
-          <a:xfrm>
-            <a:off x="1681571" y="3633889"/>
-            <a:ext cx="4206240" cy="369332"/>
-          </a:xfrm>
-          <a:prstGeom prst="rect">
-            <a:avLst/>
-          </a:prstGeom>
-          <a:noFill/>
-        </p:spPr>
-        <p:txBody>
-          <a:bodyPr wrap="square" rtlCol="0">
-            <a:spAutoFit/>
-          </a:bodyPr>
-          <a:lstStyle/>
-          <a:p>
-            <a:r>
-              <a:rPr lang="ru-RU" dirty="0" smtClean="0"/>
-              <a:t>Внешний вид микросхемы </a:t>
-            </a:r>
-            <a:r>
-              <a:rPr lang="en-US" dirty="0" smtClean="0"/>
-              <a:t>EEPROM</a:t>
-            </a:r>
-            <a:endParaRPr lang="ru-RU" dirty="0"/>
-          </a:p>
-        </p:txBody>
-      </p:sp>
-    </p:spTree>
-    <p:extLst>
-      <p:ext uri="{BB962C8B-B14F-4D97-AF65-F5344CB8AC3E}">
-        <p14:creationId xmlns:p14="http://schemas.microsoft.com/office/powerpoint/2010/main" val="3640765770"/>
-      </p:ext>
-    </p:extLst>
-  </p:cSld>
-  <p:clrMapOvr>
-    <a:masterClrMapping/>
-  </p:clrMapOvr>
-  <mc:AlternateContent xmlns:mc="http://schemas.openxmlformats.org/markup-compatibility/2006" xmlns:p14="http://schemas.microsoft.com/office/powerpoint/2010/main">
-    <mc:Choice Requires="p14">
-      <p:transition spd="med" p14:dur="700">
-        <p:fade/>
-      </p:transition>
-    </mc:Choice>
-    <mc:Fallback xmlns="">
-      <p:transition spd="med">
-        <p:fade/>
-      </p:transition>
-    </mc:Fallback>
-  </mc:AlternateContent>
-  <p:timing>
-    <p:tnLst>
-      <p:par>
-        <p:cTn id="1" dur="indefinite" restart="never" nodeType="tmRoot"/>
-      </p:par>
-    </p:tnLst>
-  </p:timing>
-</p:sld>
-</file>
-
 <file path=ppt/slides/slide16.xml><?xml version="1.0" encoding="utf-8"?>
 <p:sld xmlns:a="http://schemas.openxmlformats.org/drawingml/2006/main" xmlns:r="http://schemas.openxmlformats.org/officeDocument/2006/relationships" xmlns:p="http://schemas.openxmlformats.org/presentationml/2006/main">
   <p:cSld>
@@ -16300,7 +16300,6 @@
               <a:rPr lang="ru-RU" dirty="0"/>
               <a:t>Обобщённая блок-схема арифметико-логического устройства (АЛУ). Стрелками указаны входные и выходные слова. Флаги — признаки (например, результата сравнения операндов) выполнения предыдущей операции (вход) и результата выполнения текущей операции (выход). В одноместных операциях таких, например, как инверсия битов слова или битовый сдвиг второй операнд (B) не участвует в операции. Слово команды указывает необходимую операцию.</a:t>
             </a:r>
-            <a:endParaRPr lang="ru-RU" dirty="0"/>
           </a:p>
         </p:txBody>
       </p:sp>
@@ -16414,7 +16413,6 @@
               <a:rPr lang="ru-RU" dirty="0"/>
               <a:t>Функциональная схема АЛУ</a:t>
             </a:r>
-            <a:endParaRPr lang="ru-RU" dirty="0"/>
           </a:p>
         </p:txBody>
       </p:sp>
@@ -16586,11 +16584,6 @@
               </a:rPr>
               <a:t> и битовые сдвиги над двумя 4-х битовыми операндами. Не содержит в своем составе регистров.</a:t>
             </a:r>
-            <a:endParaRPr lang="ru-RU" dirty="0">
-              <a:solidFill>
-                <a:srgbClr val="2D2E2D"/>
-              </a:solidFill>
-            </a:endParaRPr>
           </a:p>
         </p:txBody>
       </p:sp>
